--- a/slidesTutorial/left join.pptx
+++ b/slidesTutorial/left join.pptx
@@ -243,7 +243,7 @@
           <a:p>
             <a:fld id="{2DBB2C1D-C975-4D9C-89DB-7E6ECA0A180D}" type="datetimeFigureOut">
               <a:rPr lang="pt-BR" smtClean="0"/>
-              <a:t>01/06/2022</a:t>
+              <a:t>05/06/2022</a:t>
             </a:fld>
             <a:endParaRPr lang="pt-BR"/>
           </a:p>
@@ -413,7 +413,7 @@
           <a:p>
             <a:fld id="{2DBB2C1D-C975-4D9C-89DB-7E6ECA0A180D}" type="datetimeFigureOut">
               <a:rPr lang="pt-BR" smtClean="0"/>
-              <a:t>01/06/2022</a:t>
+              <a:t>05/06/2022</a:t>
             </a:fld>
             <a:endParaRPr lang="pt-BR"/>
           </a:p>
@@ -593,7 +593,7 @@
           <a:p>
             <a:fld id="{2DBB2C1D-C975-4D9C-89DB-7E6ECA0A180D}" type="datetimeFigureOut">
               <a:rPr lang="pt-BR" smtClean="0"/>
-              <a:t>01/06/2022</a:t>
+              <a:t>05/06/2022</a:t>
             </a:fld>
             <a:endParaRPr lang="pt-BR"/>
           </a:p>
@@ -763,7 +763,7 @@
           <a:p>
             <a:fld id="{2DBB2C1D-C975-4D9C-89DB-7E6ECA0A180D}" type="datetimeFigureOut">
               <a:rPr lang="pt-BR" smtClean="0"/>
-              <a:t>01/06/2022</a:t>
+              <a:t>05/06/2022</a:t>
             </a:fld>
             <a:endParaRPr lang="pt-BR"/>
           </a:p>
@@ -1009,7 +1009,7 @@
           <a:p>
             <a:fld id="{2DBB2C1D-C975-4D9C-89DB-7E6ECA0A180D}" type="datetimeFigureOut">
               <a:rPr lang="pt-BR" smtClean="0"/>
-              <a:t>01/06/2022</a:t>
+              <a:t>05/06/2022</a:t>
             </a:fld>
             <a:endParaRPr lang="pt-BR"/>
           </a:p>
@@ -1241,7 +1241,7 @@
           <a:p>
             <a:fld id="{2DBB2C1D-C975-4D9C-89DB-7E6ECA0A180D}" type="datetimeFigureOut">
               <a:rPr lang="pt-BR" smtClean="0"/>
-              <a:t>01/06/2022</a:t>
+              <a:t>05/06/2022</a:t>
             </a:fld>
             <a:endParaRPr lang="pt-BR"/>
           </a:p>
@@ -1608,7 +1608,7 @@
           <a:p>
             <a:fld id="{2DBB2C1D-C975-4D9C-89DB-7E6ECA0A180D}" type="datetimeFigureOut">
               <a:rPr lang="pt-BR" smtClean="0"/>
-              <a:t>01/06/2022</a:t>
+              <a:t>05/06/2022</a:t>
             </a:fld>
             <a:endParaRPr lang="pt-BR"/>
           </a:p>
@@ -1726,7 +1726,7 @@
           <a:p>
             <a:fld id="{2DBB2C1D-C975-4D9C-89DB-7E6ECA0A180D}" type="datetimeFigureOut">
               <a:rPr lang="pt-BR" smtClean="0"/>
-              <a:t>01/06/2022</a:t>
+              <a:t>05/06/2022</a:t>
             </a:fld>
             <a:endParaRPr lang="pt-BR"/>
           </a:p>
@@ -1821,7 +1821,7 @@
           <a:p>
             <a:fld id="{2DBB2C1D-C975-4D9C-89DB-7E6ECA0A180D}" type="datetimeFigureOut">
               <a:rPr lang="pt-BR" smtClean="0"/>
-              <a:t>01/06/2022</a:t>
+              <a:t>05/06/2022</a:t>
             </a:fld>
             <a:endParaRPr lang="pt-BR"/>
           </a:p>
@@ -2098,7 +2098,7 @@
           <a:p>
             <a:fld id="{2DBB2C1D-C975-4D9C-89DB-7E6ECA0A180D}" type="datetimeFigureOut">
               <a:rPr lang="pt-BR" smtClean="0"/>
-              <a:t>01/06/2022</a:t>
+              <a:t>05/06/2022</a:t>
             </a:fld>
             <a:endParaRPr lang="pt-BR"/>
           </a:p>
@@ -2355,7 +2355,7 @@
           <a:p>
             <a:fld id="{2DBB2C1D-C975-4D9C-89DB-7E6ECA0A180D}" type="datetimeFigureOut">
               <a:rPr lang="pt-BR" smtClean="0"/>
-              <a:t>01/06/2022</a:t>
+              <a:t>05/06/2022</a:t>
             </a:fld>
             <a:endParaRPr lang="pt-BR"/>
           </a:p>
@@ -2568,7 +2568,7 @@
           <a:p>
             <a:fld id="{2DBB2C1D-C975-4D9C-89DB-7E6ECA0A180D}" type="datetimeFigureOut">
               <a:rPr lang="pt-BR" smtClean="0"/>
-              <a:t>01/06/2022</a:t>
+              <a:t>05/06/2022</a:t>
             </a:fld>
             <a:endParaRPr lang="pt-BR"/>
           </a:p>
@@ -3453,12 +3453,16 @@
           <a:lstStyle/>
           <a:p>
             <a:r>
-              <a:rPr lang="pt-BR" sz="1366" dirty="0">
+              <a:rPr lang="pt-BR" sz="1366">
                 <a:latin typeface="Bahnschrift SemiBold" panose="020B0502040204020203" pitchFamily="34" charset="0"/>
                 <a:cs typeface="Arial" panose="020B0604020202020204" pitchFamily="34" charset="0"/>
               </a:rPr>
-              <a:t>Select</a:t>
-            </a:r>
+              <a:t>LEFT JOIN</a:t>
+            </a:r>
+            <a:endParaRPr lang="pt-BR" sz="1366" dirty="0">
+              <a:latin typeface="Bahnschrift SemiBold" panose="020B0502040204020203" pitchFamily="34" charset="0"/>
+              <a:cs typeface="Arial" panose="020B0604020202020204" pitchFamily="34" charset="0"/>
+            </a:endParaRPr>
           </a:p>
         </p:txBody>
       </p:sp>
